--- a/plots/2021_02_09/baseline_sequencing_501YV1 501YV2_multinomial fit.pptx
+++ b/plots/2021_02_09/baseline_sequencing_501YV1 501YV2_multinomial fit.pptx
@@ -4834,7 +4834,7 @@
               </a:pathLst>
             </a:custGeom>
             <a:solidFill>
-              <a:srgbClr val="F08080">
+              <a:srgbClr val="0000FF">
                 <a:alpha val="100000"/>
               </a:srgbClr>
             </a:solidFill>
@@ -7025,7 +7025,7 @@
               <a:avLst/>
             </a:prstGeom>
             <a:solidFill>
-              <a:srgbClr val="F08080">
+              <a:srgbClr val="0000FF">
                 <a:alpha val="100000"/>
               </a:srgbClr>
             </a:solidFill>
